--- a/sd/qa/unit/data/pptx/tdf169524.pptx
+++ b/sd/qa/unit/data/pptx/tdf169524.pptx
@@ -15,6 +15,166 @@
 <file path=ppt/slideLayouts/slideLayout1.xml><?xml version="1.0" encoding="utf-8"?>
 <p:sldLayout xmlns:a="http://schemas.openxmlformats.org/drawingml/2006/main" xmlns:p="http://schemas.openxmlformats.org/presentationml/2006/main" xmlns:r="http://schemas.openxmlformats.org/officeDocument/2006/relationships" xmlns:p14="http://schemas.microsoft.com/office/powerpoint/2010/main" xmlns:p15="http://schemas.microsoft.com/office/powerpoint/2012/main" xmlns:mc="http://schemas.openxmlformats.org/markup-compatibility/2006" type="txAndChart" preserve="1">
   <p:cSld name="Standard">
+    <p:spTree>
+      <p:nvGrpSpPr>
+        <p:cNvPr id="1" name=""/>
+        <p:cNvGrpSpPr/>
+        <p:nvPr/>
+      </p:nvGrpSpPr>
+      <p:grpSpPr>
+        <a:xfrm>
+          <a:off x="0" y="0"/>
+          <a:ext cx="0" cy="0"/>
+          <a:chOff x="0" y="0"/>
+          <a:chExt cx="0" cy="0"/>
+        </a:xfrm>
+      </p:grpSpPr>
+      <p:sp>
+        <p:nvSpPr>
+          <p:cNvPr id="4" name="PlaceHolder 1"/>
+          <p:cNvSpPr>
+            <a:spLocks noGrp="1"/>
+          </p:cNvSpPr>
+          <p:nvPr>
+            <p:ph type="title"/>
+          </p:nvPr>
+        </p:nvSpPr>
+        <p:spPr>
+          <a:xfrm>
+            <a:off x="1214640" y="2930400"/>
+            <a:ext cx="8607600" cy="1262160"/>
+          </a:xfrm>
+          <a:prstGeom prst="rect">
+            <a:avLst/>
+          </a:prstGeom>
+          <a:noFill/>
+          <a:ln w="0">
+            <a:noFill/>
+          </a:ln>
+        </p:spPr>
+        <p:txBody>
+          <a:bodyPr lIns="0" tIns="0" rIns="0" bIns="0" anchor="ctr">
+            <a:spAutoFit/>
+          </a:bodyPr>
+          <a:p>
+            <a:pPr indent="0" algn="ctr">
+              <a:buNone/>
+            </a:pPr>
+            <a:endParaRPr lang="de-DE" sz="3200" b="1" u="none" strike="noStrike">
+              <a:solidFill>
+                <a:srgbClr val="000000"/>
+              </a:solidFill>
+              <a:effectLst/>
+              <a:uFillTx/>
+              <a:latin typeface="Arial"/>
+            </a:endParaRPr>
+          </a:p>
+        </p:txBody>
+      </p:sp>
+      <p:sp>
+        <p:nvSpPr>
+          <p:cNvPr id="5" name="PlaceHolder 2"/>
+          <p:cNvSpPr>
+            <a:spLocks noGrp="1"/>
+          </p:cNvSpPr>
+          <p:nvPr>
+            <p:ph/>
+          </p:nvPr>
+        </p:nvSpPr>
+        <p:spPr>
+          <a:xfrm>
+            <a:off x="740520" y="2101680"/>
+            <a:ext cx="8607600" cy="2713680"/>
+          </a:xfrm>
+          <a:prstGeom prst="rect">
+            <a:avLst/>
+          </a:prstGeom>
+          <a:noFill/>
+          <a:ln w="0">
+            <a:noFill/>
+          </a:ln>
+        </p:spPr>
+        <p:txBody>
+          <a:bodyPr lIns="0" tIns="0" rIns="0" bIns="0" anchor="t">
+            <a:spAutoFit/>
+          </a:bodyPr>
+          <a:p>
+            <a:pPr indent="0" algn="l">
+              <a:spcAft>
+                <a:spcPts val="1701"/>
+              </a:spcAft>
+              <a:buNone/>
+              <a:tabLst>
+                <a:tab pos="1080000" algn="dec"/>
+              </a:tabLst>
+            </a:pPr>
+            <a:endParaRPr lang="de-DE" sz="2400" b="1" u="none" strike="noStrike">
+              <a:solidFill>
+                <a:srgbClr val="000000"/>
+              </a:solidFill>
+              <a:effectLst/>
+              <a:uFillTx/>
+              <a:latin typeface="Arial"/>
+            </a:endParaRPr>
+          </a:p>
+        </p:txBody>
+      </p:sp>
+      <p:sp>
+        <p:nvSpPr>
+          <p:cNvPr id="6" name="PlaceHolder 3"/>
+          <p:cNvSpPr>
+            <a:spLocks noGrp="1"/>
+          </p:cNvSpPr>
+          <p:nvPr>
+            <p:ph/>
+          </p:nvPr>
+        </p:nvSpPr>
+        <p:spPr>
+          <a:xfrm>
+            <a:off x="740520" y="2101680"/>
+            <a:ext cx="8607600" cy="2713680"/>
+          </a:xfrm>
+          <a:prstGeom prst="rect">
+            <a:avLst/>
+          </a:prstGeom>
+          <a:noFill/>
+          <a:ln w="0">
+            <a:noFill/>
+          </a:ln>
+        </p:spPr>
+        <p:txBody>
+          <a:bodyPr lIns="0" tIns="0" rIns="0" bIns="0" anchor="t">
+            <a:spAutoFit/>
+          </a:bodyPr>
+          <a:p>
+            <a:pPr indent="0" algn="l">
+              <a:spcAft>
+                <a:spcPts val="1701"/>
+              </a:spcAft>
+              <a:buNone/>
+              <a:tabLst>
+                <a:tab pos="1080000" algn="dec"/>
+              </a:tabLst>
+            </a:pPr>
+            <a:endParaRPr lang="de-DE" sz="2400" b="1" u="none" strike="noStrike">
+              <a:solidFill>
+                <a:srgbClr val="000000"/>
+              </a:solidFill>
+              <a:effectLst/>
+              <a:uFillTx/>
+              <a:latin typeface="Arial"/>
+            </a:endParaRPr>
+          </a:p>
+        </p:txBody>
+      </p:sp>
+    </p:spTree>
+  </p:cSld>
+</p:sldLayout>
+</file>
+
+<file path=ppt/slideMasters/slideMaster1.xml><?xml version="1.0" encoding="utf-8"?>
+<p:sldMaster xmlns:a="http://schemas.openxmlformats.org/drawingml/2006/main" xmlns:p="http://schemas.openxmlformats.org/presentationml/2006/main" xmlns:r="http://schemas.openxmlformats.org/officeDocument/2006/relationships" xmlns:p14="http://schemas.microsoft.com/office/powerpoint/2010/main" xmlns:p15="http://schemas.microsoft.com/office/powerpoint/2012/main" xmlns:mc="http://schemas.openxmlformats.org/markup-compatibility/2006">
+  <p:cSld>
     <p:spTree>
       <p:nvGrpSpPr>
         <p:cNvPr id="1" name=""/>
@@ -53,14 +213,38 @@
           </a:ln>
         </p:spPr>
         <p:txBody>
-          <a:bodyPr lIns="0" rIns="0" tIns="0" bIns="0" anchor="ctr">
-            <a:spAutoFit/>
+          <a:bodyPr lIns="0" tIns="0" rIns="0" bIns="0" anchor="ctr">
+            <a:noAutofit/>
           </a:bodyPr>
+          <a:lstStyle>
+            <a:lvl1pPr indent="0" algn="ctr">
+              <a:buNone/>
+              <a:defRPr lang="de-DE" sz="3200" b="1" u="none" strike="noStrike">
+                <a:solidFill>
+                  <a:srgbClr val="000000"/>
+                </a:solidFill>
+                <a:effectLst/>
+                <a:uFillTx/>
+                <a:latin typeface="Arial"/>
+              </a:defRPr>
+            </a:lvl1pPr>
+          </a:lstStyle>
           <a:p>
             <a:pPr indent="0" algn="ctr">
               <a:buNone/>
             </a:pPr>
-            <a:endParaRPr b="1" lang="de-DE" sz="3200" strike="noStrike" u="none">
+            <a:r>
+              <a:rPr lang="de-DE" sz="3200" b="1" u="none" strike="noStrike">
+                <a:solidFill>
+                  <a:srgbClr val="000000"/>
+                </a:solidFill>
+                <a:effectLst/>
+                <a:uFillTx/>
+                <a:latin typeface="Arial"/>
+              </a:rPr>
+              <a:t>Click to edit the title text format</a:t>
+            </a:r>
+            <a:endParaRPr lang="de-DE" sz="3200" b="1" u="none" strike="noStrike">
               <a:solidFill>
                 <a:srgbClr val="000000"/>
               </a:solidFill>
@@ -74,177 +258,6 @@
       <p:sp>
         <p:nvSpPr>
           <p:cNvPr id="3" name="PlaceHolder 2"/>
-          <p:cNvSpPr>
-            <a:spLocks noGrp="1"/>
-          </p:cNvSpPr>
-          <p:nvPr>
-            <p:ph/>
-          </p:nvPr>
-        </p:nvSpPr>
-        <p:spPr>
-          <a:xfrm>
-            <a:off x="740520" y="2101680"/>
-            <a:ext cx="8607600" cy="2713680"/>
-          </a:xfrm>
-          <a:prstGeom prst="rect">
-            <a:avLst/>
-          </a:prstGeom>
-          <a:noFill/>
-          <a:ln w="0">
-            <a:noFill/>
-          </a:ln>
-        </p:spPr>
-        <p:txBody>
-          <a:bodyPr lIns="0" rIns="0" tIns="0" bIns="0" anchor="t">
-            <a:spAutoFit/>
-          </a:bodyPr>
-          <a:p>
-            <a:pPr indent="0">
-              <a:spcAft>
-                <a:spcPts val="1701"/>
-              </a:spcAft>
-              <a:buNone/>
-              <a:tabLst>
-                <a:tab algn="dec" pos="1080000"/>
-              </a:tabLst>
-            </a:pPr>
-            <a:endParaRPr b="1" lang="de-DE" sz="2400" strike="noStrike" u="none">
-              <a:solidFill>
-                <a:srgbClr val="000000"/>
-              </a:solidFill>
-              <a:effectLst/>
-              <a:uFillTx/>
-              <a:latin typeface="Arial"/>
-            </a:endParaRPr>
-          </a:p>
-        </p:txBody>
-      </p:sp>
-      <p:sp>
-        <p:nvSpPr>
-          <p:cNvPr id="4" name="PlaceHolder 3"/>
-          <p:cNvSpPr>
-            <a:spLocks noGrp="1"/>
-          </p:cNvSpPr>
-          <p:nvPr>
-            <p:ph/>
-          </p:nvPr>
-        </p:nvSpPr>
-        <p:spPr>
-          <a:xfrm>
-            <a:off x="740520" y="2101680"/>
-            <a:ext cx="8607600" cy="2713680"/>
-          </a:xfrm>
-          <a:prstGeom prst="rect">
-            <a:avLst/>
-          </a:prstGeom>
-          <a:noFill/>
-          <a:ln w="0">
-            <a:noFill/>
-          </a:ln>
-        </p:spPr>
-        <p:txBody>
-          <a:bodyPr lIns="0" rIns="0" tIns="0" bIns="0" anchor="t">
-            <a:spAutoFit/>
-          </a:bodyPr>
-          <a:p>
-            <a:pPr indent="0">
-              <a:spcAft>
-                <a:spcPts val="1701"/>
-              </a:spcAft>
-              <a:buNone/>
-              <a:tabLst>
-                <a:tab algn="dec" pos="1080000"/>
-              </a:tabLst>
-            </a:pPr>
-            <a:endParaRPr b="1" lang="de-DE" sz="2400" strike="noStrike" u="none">
-              <a:solidFill>
-                <a:srgbClr val="000000"/>
-              </a:solidFill>
-              <a:effectLst/>
-              <a:uFillTx/>
-              <a:latin typeface="Arial"/>
-            </a:endParaRPr>
-          </a:p>
-        </p:txBody>
-      </p:sp>
-    </p:spTree>
-  </p:cSld>
-</p:sldLayout>
-</file>
-
-<file path=ppt/slideMasters/slideMaster1.xml><?xml version="1.0" encoding="utf-8"?>
-<p:sldMaster xmlns:a="http://schemas.openxmlformats.org/drawingml/2006/main" xmlns:p="http://schemas.openxmlformats.org/presentationml/2006/main" xmlns:r="http://schemas.openxmlformats.org/officeDocument/2006/relationships" xmlns:p14="http://schemas.microsoft.com/office/powerpoint/2010/main" xmlns:p15="http://schemas.microsoft.com/office/powerpoint/2012/main" xmlns:mc="http://schemas.openxmlformats.org/markup-compatibility/2006">
-  <p:cSld>
-    <p:spTree>
-      <p:nvGrpSpPr>
-        <p:cNvPr id="1" name=""/>
-        <p:cNvGrpSpPr/>
-        <p:nvPr/>
-      </p:nvGrpSpPr>
-      <p:grpSpPr>
-        <a:xfrm>
-          <a:off x="0" y="0"/>
-          <a:ext cx="0" cy="0"/>
-          <a:chOff x="0" y="0"/>
-          <a:chExt cx="0" cy="0"/>
-        </a:xfrm>
-      </p:grpSpPr>
-      <p:sp>
-        <p:nvSpPr>
-          <p:cNvPr id="0" name="PlaceHolder 1"/>
-          <p:cNvSpPr>
-            <a:spLocks noGrp="1"/>
-          </p:cNvSpPr>
-          <p:nvPr>
-            <p:ph type="title"/>
-          </p:nvPr>
-        </p:nvSpPr>
-        <p:spPr>
-          <a:xfrm>
-            <a:off x="1214640" y="2930400"/>
-            <a:ext cx="8607600" cy="1262160"/>
-          </a:xfrm>
-          <a:prstGeom prst="rect">
-            <a:avLst/>
-          </a:prstGeom>
-          <a:noFill/>
-          <a:ln w="0">
-            <a:noFill/>
-          </a:ln>
-        </p:spPr>
-        <p:txBody>
-          <a:bodyPr lIns="0" rIns="0" tIns="0" bIns="0" anchor="ctr">
-            <a:noAutofit/>
-          </a:bodyPr>
-          <a:p>
-            <a:pPr indent="0" algn="ctr">
-              <a:buNone/>
-            </a:pPr>
-            <a:r>
-              <a:rPr b="1" lang="de-DE" sz="3200" strike="noStrike" u="none">
-                <a:solidFill>
-                  <a:srgbClr val="000000"/>
-                </a:solidFill>
-                <a:effectLst/>
-                <a:uFillTx/>
-                <a:latin typeface="Arial"/>
-              </a:rPr>
-              <a:t>Click to edit the title text format</a:t>
-            </a:r>
-            <a:endParaRPr b="1" lang="de-DE" sz="3200" strike="noStrike" u="none">
-              <a:solidFill>
-                <a:srgbClr val="000000"/>
-              </a:solidFill>
-              <a:effectLst/>
-              <a:uFillTx/>
-              <a:latin typeface="Arial"/>
-            </a:endParaRPr>
-          </a:p>
-        </p:txBody>
-      </p:sp>
-      <p:sp>
-        <p:nvSpPr>
-          <p:cNvPr id="1" name="PlaceHolder 2"/>
           <p:cNvSpPr>
             <a:spLocks noGrp="1"/>
           </p:cNvSpPr>
@@ -266,11 +279,11 @@
           </a:ln>
         </p:spPr>
         <p:txBody>
-          <a:bodyPr lIns="0" rIns="0" tIns="0" bIns="0" anchor="t">
+          <a:bodyPr lIns="0" tIns="0" rIns="0" bIns="0" anchor="t">
             <a:spAutoFit/>
           </a:bodyPr>
-          <a:p>
-            <a:pPr marL="216000" indent="-216000">
+          <a:lstStyle>
+            <a:lvl1pPr algn="l">
               <a:spcAft>
                 <a:spcPts val="1701"/>
               </a:spcAft>
@@ -281,31 +294,18 @@
               <a:buFont typeface="Wingdings" charset="2"/>
               <a:buChar char=""/>
               <a:tabLst>
-                <a:tab algn="dec" pos="1080000"/>
+                <a:tab pos="1080000" algn="dec"/>
               </a:tabLst>
-            </a:pPr>
-            <a:r>
-              <a:rPr b="1" lang="de-DE" sz="2400" strike="noStrike" u="none">
-                <a:solidFill>
-                  <a:srgbClr val="000000"/>
-                </a:solidFill>
-                <a:effectLst/>
-                <a:uFillTx/>
-                <a:latin typeface="Arial"/>
-              </a:rPr>
-              <a:t>Click to edit the outline text format</a:t>
-            </a:r>
-            <a:endParaRPr b="1" lang="de-DE" sz="2400" strike="noStrike" u="none">
-              <a:solidFill>
-                <a:srgbClr val="000000"/>
-              </a:solidFill>
-              <a:effectLst/>
-              <a:uFillTx/>
-              <a:latin typeface="Arial"/>
-            </a:endParaRPr>
-          </a:p>
-          <a:p>
-            <a:pPr lvl="1" marL="576000" indent="-360000">
+              <a:defRPr lang="de-DE" sz="2400" b="1" u="none" strike="noStrike">
+                <a:solidFill>
+                  <a:srgbClr val="000000"/>
+                </a:solidFill>
+                <a:effectLst/>
+                <a:uFillTx/>
+                <a:latin typeface="Arial"/>
+              </a:defRPr>
+            </a:lvl1pPr>
+            <a:lvl2pPr marL="576000" lvl="1" indent="-360000" algn="l">
               <a:spcAft>
                 <a:spcPts val="567"/>
               </a:spcAft>
@@ -315,29 +315,16 @@
               <a:buSzPct val="75000"/>
               <a:buFont typeface="Symbol" charset="2"/>
               <a:buChar char=""/>
-            </a:pPr>
-            <a:r>
-              <a:rPr b="0" lang="de-DE" sz="1600" strike="noStrike" u="none">
-                <a:solidFill>
-                  <a:srgbClr val="000000"/>
-                </a:solidFill>
-                <a:effectLst/>
-                <a:uFillTx/>
-                <a:latin typeface="Arial"/>
-              </a:rPr>
-              <a:t>Second Outline Level</a:t>
-            </a:r>
-            <a:endParaRPr b="0" lang="de-DE" sz="1600" strike="noStrike" u="none">
-              <a:solidFill>
-                <a:srgbClr val="000000"/>
-              </a:solidFill>
-              <a:effectLst/>
-              <a:uFillTx/>
-              <a:latin typeface="Arial"/>
-            </a:endParaRPr>
-          </a:p>
-          <a:p>
-            <a:pPr lvl="2" marL="936000" indent="-216000">
+              <a:defRPr lang="de-DE" sz="1600" b="0" u="none" strike="noStrike">
+                <a:solidFill>
+                  <a:srgbClr val="000000"/>
+                </a:solidFill>
+                <a:effectLst/>
+                <a:uFillTx/>
+                <a:latin typeface="Arial"/>
+              </a:defRPr>
+            </a:lvl2pPr>
+            <a:lvl3pPr marL="936000" lvl="2" indent="-216000" algn="l">
               <a:spcAft>
                 <a:spcPts val="850"/>
               </a:spcAft>
@@ -347,29 +334,16 @@
               <a:buSzPct val="45000"/>
               <a:buFont typeface="Wingdings" charset="2"/>
               <a:buChar char=""/>
-            </a:pPr>
-            <a:r>
-              <a:rPr b="0" lang="de-DE" sz="1400" strike="noStrike" u="none">
-                <a:solidFill>
-                  <a:srgbClr val="000000"/>
-                </a:solidFill>
-                <a:effectLst/>
-                <a:uFillTx/>
-                <a:latin typeface="Arial"/>
-              </a:rPr>
-              <a:t>Third Outline Level</a:t>
-            </a:r>
-            <a:endParaRPr b="0" lang="de-DE" sz="1400" strike="noStrike" u="none">
-              <a:solidFill>
-                <a:srgbClr val="000000"/>
-              </a:solidFill>
-              <a:effectLst/>
-              <a:uFillTx/>
-              <a:latin typeface="Arial"/>
-            </a:endParaRPr>
-          </a:p>
-          <a:p>
-            <a:pPr lvl="3" marL="1728000" indent="-216000">
+              <a:defRPr lang="de-DE" sz="1400" b="0" u="none" strike="noStrike">
+                <a:solidFill>
+                  <a:srgbClr val="000000"/>
+                </a:solidFill>
+                <a:effectLst/>
+                <a:uFillTx/>
+                <a:latin typeface="Arial"/>
+              </a:defRPr>
+            </a:lvl3pPr>
+            <a:lvl4pPr marL="1728000" lvl="3" indent="-216000" algn="l">
               <a:spcAft>
                 <a:spcPts val="567"/>
               </a:spcAft>
@@ -379,29 +353,16 @@
               <a:buSzPct val="75000"/>
               <a:buFont typeface="Symbol" charset="2"/>
               <a:buChar char=""/>
-            </a:pPr>
-            <a:r>
-              <a:rPr b="0" lang="de-DE" sz="1200" strike="noStrike" u="none">
-                <a:solidFill>
-                  <a:srgbClr val="000000"/>
-                </a:solidFill>
-                <a:effectLst/>
-                <a:uFillTx/>
-                <a:latin typeface="Arial"/>
-              </a:rPr>
-              <a:t>Fourth Outline Level</a:t>
-            </a:r>
-            <a:endParaRPr b="0" lang="de-DE" sz="1200" strike="noStrike" u="none">
-              <a:solidFill>
-                <a:srgbClr val="000000"/>
-              </a:solidFill>
-              <a:effectLst/>
-              <a:uFillTx/>
-              <a:latin typeface="Arial"/>
-            </a:endParaRPr>
-          </a:p>
-          <a:p>
-            <a:pPr lvl="4" marL="2160000" indent="-216000">
+              <a:defRPr lang="de-DE" sz="1200" b="0" u="none" strike="noStrike">
+                <a:solidFill>
+                  <a:srgbClr val="000000"/>
+                </a:solidFill>
+                <a:effectLst/>
+                <a:uFillTx/>
+                <a:latin typeface="Arial"/>
+              </a:defRPr>
+            </a:lvl4pPr>
+            <a:lvl5pPr marL="2160000" lvl="4" indent="-216000" algn="l">
               <a:spcAft>
                 <a:spcPts val="283"/>
               </a:spcAft>
@@ -411,29 +372,16 @@
               <a:buSzPct val="45000"/>
               <a:buFont typeface="Wingdings" charset="2"/>
               <a:buChar char=""/>
-            </a:pPr>
-            <a:r>
-              <a:rPr b="0" lang="de-DE" sz="2000" strike="noStrike" u="none">
-                <a:solidFill>
-                  <a:srgbClr val="000000"/>
-                </a:solidFill>
-                <a:effectLst/>
-                <a:uFillTx/>
-                <a:latin typeface="Arial"/>
-              </a:rPr>
-              <a:t>Fifth Outline Level</a:t>
-            </a:r>
-            <a:endParaRPr b="0" lang="de-DE" sz="2000" strike="noStrike" u="none">
-              <a:solidFill>
-                <a:srgbClr val="000000"/>
-              </a:solidFill>
-              <a:effectLst/>
-              <a:uFillTx/>
-              <a:latin typeface="Arial"/>
-            </a:endParaRPr>
-          </a:p>
-          <a:p>
-            <a:pPr lvl="5" marL="2592000" indent="-216000">
+              <a:defRPr lang="de-DE" sz="2000" b="0" u="none" strike="noStrike">
+                <a:solidFill>
+                  <a:srgbClr val="000000"/>
+                </a:solidFill>
+                <a:effectLst/>
+                <a:uFillTx/>
+                <a:latin typeface="Arial"/>
+              </a:defRPr>
+            </a:lvl5pPr>
+            <a:lvl6pPr marL="2592000" lvl="5" indent="-216000" algn="l">
               <a:spcAft>
                 <a:spcPts val="283"/>
               </a:spcAft>
@@ -443,29 +391,16 @@
               <a:buSzPct val="45000"/>
               <a:buFont typeface="Wingdings" charset="2"/>
               <a:buChar char=""/>
-            </a:pPr>
-            <a:r>
-              <a:rPr b="0" lang="de-DE" sz="2000" strike="noStrike" u="none">
-                <a:solidFill>
-                  <a:srgbClr val="000000"/>
-                </a:solidFill>
-                <a:effectLst/>
-                <a:uFillTx/>
-                <a:latin typeface="Arial"/>
-              </a:rPr>
-              <a:t>Sixth Outline Level</a:t>
-            </a:r>
-            <a:endParaRPr b="0" lang="de-DE" sz="2000" strike="noStrike" u="none">
-              <a:solidFill>
-                <a:srgbClr val="000000"/>
-              </a:solidFill>
-              <a:effectLst/>
-              <a:uFillTx/>
-              <a:latin typeface="Arial"/>
-            </a:endParaRPr>
-          </a:p>
-          <a:p>
-            <a:pPr lvl="6" marL="3024000" indent="-216000">
+              <a:defRPr lang="de-DE" sz="2000" b="0" u="none" strike="noStrike">
+                <a:solidFill>
+                  <a:srgbClr val="000000"/>
+                </a:solidFill>
+                <a:effectLst/>
+                <a:uFillTx/>
+                <a:latin typeface="Arial"/>
+              </a:defRPr>
+            </a:lvl6pPr>
+            <a:lvl7pPr marL="3024000" lvl="6" indent="-216000" algn="l">
               <a:spcAft>
                 <a:spcPts val="283"/>
               </a:spcAft>
@@ -475,9 +410,225 @@
               <a:buSzPct val="45000"/>
               <a:buFont typeface="Wingdings" charset="2"/>
               <a:buChar char=""/>
-            </a:pPr>
-            <a:r>
-              <a:rPr b="0" lang="de-DE" sz="2000" strike="noStrike" u="none">
+              <a:defRPr lang="de-DE" sz="2000" b="0" u="none" strike="noStrike">
+                <a:solidFill>
+                  <a:srgbClr val="000000"/>
+                </a:solidFill>
+                <a:effectLst/>
+                <a:uFillTx/>
+                <a:latin typeface="Arial"/>
+              </a:defRPr>
+            </a:lvl7pPr>
+          </a:lstStyle>
+          <a:p>
+            <a:pPr marL="216000" indent="-216000" algn="l">
+              <a:spcAft>
+                <a:spcPts val="1701"/>
+              </a:spcAft>
+              <a:buClr>
+                <a:srgbClr val="000000"/>
+              </a:buClr>
+              <a:buSzPct val="45000"/>
+              <a:buFont typeface="Wingdings" charset="2"/>
+              <a:buChar char=""/>
+              <a:tabLst>
+                <a:tab pos="1080000" algn="dec"/>
+              </a:tabLst>
+            </a:pPr>
+            <a:r>
+              <a:rPr lang="de-DE" sz="2400" b="1" u="none" strike="noStrike">
+                <a:solidFill>
+                  <a:srgbClr val="000000"/>
+                </a:solidFill>
+                <a:effectLst/>
+                <a:uFillTx/>
+                <a:latin typeface="Arial"/>
+              </a:rPr>
+              <a:t>Click to edit the outline text format</a:t>
+            </a:r>
+            <a:endParaRPr lang="de-DE" sz="2400" b="1" u="none" strike="noStrike">
+              <a:solidFill>
+                <a:srgbClr val="000000"/>
+              </a:solidFill>
+              <a:effectLst/>
+              <a:uFillTx/>
+              <a:latin typeface="Arial"/>
+            </a:endParaRPr>
+          </a:p>
+          <a:p>
+            <a:pPr marL="576000" lvl="1" indent="-360000" algn="l">
+              <a:spcAft>
+                <a:spcPts val="567"/>
+              </a:spcAft>
+              <a:buClr>
+                <a:srgbClr val="000000"/>
+              </a:buClr>
+              <a:buSzPct val="75000"/>
+              <a:buFont typeface="Symbol" charset="2"/>
+              <a:buChar char=""/>
+            </a:pPr>
+            <a:r>
+              <a:rPr lang="de-DE" sz="1600" b="0" u="none" strike="noStrike">
+                <a:solidFill>
+                  <a:srgbClr val="000000"/>
+                </a:solidFill>
+                <a:effectLst/>
+                <a:uFillTx/>
+                <a:latin typeface="Arial"/>
+              </a:rPr>
+              <a:t>Second Outline Level</a:t>
+            </a:r>
+            <a:endParaRPr lang="de-DE" sz="1600" b="0" u="none" strike="noStrike">
+              <a:solidFill>
+                <a:srgbClr val="000000"/>
+              </a:solidFill>
+              <a:effectLst/>
+              <a:uFillTx/>
+              <a:latin typeface="Arial"/>
+            </a:endParaRPr>
+          </a:p>
+          <a:p>
+            <a:pPr marL="936000" lvl="2" indent="-216000" algn="l">
+              <a:spcAft>
+                <a:spcPts val="850"/>
+              </a:spcAft>
+              <a:buClr>
+                <a:srgbClr val="000000"/>
+              </a:buClr>
+              <a:buSzPct val="45000"/>
+              <a:buFont typeface="Wingdings" charset="2"/>
+              <a:buChar char=""/>
+            </a:pPr>
+            <a:r>
+              <a:rPr lang="de-DE" sz="1400" b="0" u="none" strike="noStrike">
+                <a:solidFill>
+                  <a:srgbClr val="000000"/>
+                </a:solidFill>
+                <a:effectLst/>
+                <a:uFillTx/>
+                <a:latin typeface="Arial"/>
+              </a:rPr>
+              <a:t>Third Outline Level</a:t>
+            </a:r>
+            <a:endParaRPr lang="de-DE" sz="1400" b="0" u="none" strike="noStrike">
+              <a:solidFill>
+                <a:srgbClr val="000000"/>
+              </a:solidFill>
+              <a:effectLst/>
+              <a:uFillTx/>
+              <a:latin typeface="Arial"/>
+            </a:endParaRPr>
+          </a:p>
+          <a:p>
+            <a:pPr marL="1728000" lvl="3" indent="-216000" algn="l">
+              <a:spcAft>
+                <a:spcPts val="567"/>
+              </a:spcAft>
+              <a:buClr>
+                <a:srgbClr val="000000"/>
+              </a:buClr>
+              <a:buSzPct val="75000"/>
+              <a:buFont typeface="Symbol" charset="2"/>
+              <a:buChar char=""/>
+            </a:pPr>
+            <a:r>
+              <a:rPr lang="de-DE" sz="1200" b="0" u="none" strike="noStrike">
+                <a:solidFill>
+                  <a:srgbClr val="000000"/>
+                </a:solidFill>
+                <a:effectLst/>
+                <a:uFillTx/>
+                <a:latin typeface="Arial"/>
+              </a:rPr>
+              <a:t>Fourth Outline Level</a:t>
+            </a:r>
+            <a:endParaRPr lang="de-DE" sz="1200" b="0" u="none" strike="noStrike">
+              <a:solidFill>
+                <a:srgbClr val="000000"/>
+              </a:solidFill>
+              <a:effectLst/>
+              <a:uFillTx/>
+              <a:latin typeface="Arial"/>
+            </a:endParaRPr>
+          </a:p>
+          <a:p>
+            <a:pPr marL="2160000" lvl="4" indent="-216000" algn="l">
+              <a:spcAft>
+                <a:spcPts val="283"/>
+              </a:spcAft>
+              <a:buClr>
+                <a:srgbClr val="000000"/>
+              </a:buClr>
+              <a:buSzPct val="45000"/>
+              <a:buFont typeface="Wingdings" charset="2"/>
+              <a:buChar char=""/>
+            </a:pPr>
+            <a:r>
+              <a:rPr lang="de-DE" sz="2000" b="0" u="none" strike="noStrike">
+                <a:solidFill>
+                  <a:srgbClr val="000000"/>
+                </a:solidFill>
+                <a:effectLst/>
+                <a:uFillTx/>
+                <a:latin typeface="Arial"/>
+              </a:rPr>
+              <a:t>Fifth Outline Level</a:t>
+            </a:r>
+            <a:endParaRPr lang="de-DE" sz="2000" b="0" u="none" strike="noStrike">
+              <a:solidFill>
+                <a:srgbClr val="000000"/>
+              </a:solidFill>
+              <a:effectLst/>
+              <a:uFillTx/>
+              <a:latin typeface="Arial"/>
+            </a:endParaRPr>
+          </a:p>
+          <a:p>
+            <a:pPr marL="2592000" lvl="5" indent="-216000" algn="l">
+              <a:spcAft>
+                <a:spcPts val="283"/>
+              </a:spcAft>
+              <a:buClr>
+                <a:srgbClr val="000000"/>
+              </a:buClr>
+              <a:buSzPct val="45000"/>
+              <a:buFont typeface="Wingdings" charset="2"/>
+              <a:buChar char=""/>
+            </a:pPr>
+            <a:r>
+              <a:rPr lang="de-DE" sz="2000" b="0" u="none" strike="noStrike">
+                <a:solidFill>
+                  <a:srgbClr val="000000"/>
+                </a:solidFill>
+                <a:effectLst/>
+                <a:uFillTx/>
+                <a:latin typeface="Arial"/>
+              </a:rPr>
+              <a:t>Sixth Outline Level</a:t>
+            </a:r>
+            <a:endParaRPr lang="de-DE" sz="2000" b="0" u="none" strike="noStrike">
+              <a:solidFill>
+                <a:srgbClr val="000000"/>
+              </a:solidFill>
+              <a:effectLst/>
+              <a:uFillTx/>
+              <a:latin typeface="Arial"/>
+            </a:endParaRPr>
+          </a:p>
+          <a:p>
+            <a:pPr marL="3024000" lvl="6" indent="-216000" algn="l">
+              <a:spcAft>
+                <a:spcPts val="283"/>
+              </a:spcAft>
+              <a:buClr>
+                <a:srgbClr val="000000"/>
+              </a:buClr>
+              <a:buSzPct val="45000"/>
+              <a:buFont typeface="Wingdings" charset="2"/>
+              <a:buChar char=""/>
+            </a:pPr>
+            <a:r>
+              <a:rPr lang="de-DE" sz="2000" b="0" u="none" strike="noStrike">
                 <a:solidFill>
                   <a:srgbClr val="000000"/>
                 </a:solidFill>
@@ -487,7 +638,7 @@
               </a:rPr>
               <a:t>Seventh Outline Level</a:t>
             </a:r>
-            <a:endParaRPr b="0" lang="de-DE" sz="2000" strike="noStrike" u="none">
+            <a:endParaRPr lang="de-DE" sz="2000" b="0" u="none" strike="noStrike">
               <a:solidFill>
                 <a:srgbClr val="000000"/>
               </a:solidFill>
@@ -526,7 +677,7 @@
       </p:grpSpPr>
       <p:sp>
         <p:nvSpPr>
-          <p:cNvPr id="5" name="PlaceHolder 1"/>
+          <p:cNvPr id="7" name="PlaceHolder 1"/>
           <p:cNvSpPr>
             <a:spLocks noGrp="1"/>
           </p:cNvSpPr>
@@ -551,21 +702,21 @@
           </a:ln>
         </p:spPr>
         <p:txBody>
-          <a:bodyPr lIns="54000" rIns="54000" tIns="54000" bIns="54000" anchor="t">
+          <a:bodyPr lIns="54000" tIns="54000" rIns="54000" bIns="54000" anchor="t">
             <a:spAutoFit/>
           </a:bodyPr>
           <a:p>
-            <a:pPr indent="0">
+            <a:pPr indent="0" algn="l">
               <a:spcAft>
                 <a:spcPts val="1701"/>
               </a:spcAft>
               <a:buNone/>
               <a:tabLst>
-                <a:tab algn="dec" pos="1080000"/>
+                <a:tab pos="1080000" algn="dec"/>
               </a:tabLst>
             </a:pPr>
             <a:r>
-              <a:rPr b="1" lang="de-DE" sz="2400" strike="noStrike" u="none">
+              <a:rPr lang="de-DE" sz="2400" b="1" u="none" strike="noStrike">
                 <a:solidFill>
                   <a:srgbClr val="000000"/>
                 </a:solidFill>
@@ -578,17 +729,17 @@
             <a:br>
               <a:rPr sz="1400"/>
             </a:br>
-            <a:endParaRPr b="1" lang="de-DE" sz="2400" strike="noStrike" u="none">
-              <a:solidFill>
-                <a:srgbClr val="000000"/>
-              </a:solidFill>
-              <a:effectLst/>
-              <a:uFillTx/>
-              <a:latin typeface="Arial"/>
-            </a:endParaRPr>
-          </a:p>
-          <a:p>
-            <a:pPr marL="216000" indent="-216000">
+            <a:endParaRPr lang="de-DE" sz="2400" b="1" u="none" strike="noStrike">
+              <a:solidFill>
+                <a:srgbClr val="000000"/>
+              </a:solidFill>
+              <a:effectLst/>
+              <a:uFillTx/>
+              <a:latin typeface="Arial"/>
+            </a:endParaRPr>
+          </a:p>
+          <a:p>
+            <a:pPr marL="216000" indent="-216000" algn="l">
               <a:spcAft>
                 <a:spcPts val="1701"/>
               </a:spcAft>
@@ -599,11 +750,11 @@
               <a:buFont typeface="Wingdings" charset="2"/>
               <a:buChar char=""/>
               <a:tabLst>
-                <a:tab algn="dec" pos="1080000"/>
+                <a:tab pos="1080000" algn="dec"/>
               </a:tabLst>
             </a:pPr>
             <a:r>
-              <a:rPr b="1" lang="de-DE" sz="2400" strike="noStrike" u="none">
+              <a:rPr lang="de-DE" sz="2400" b="1" u="none" strike="noStrike">
                 <a:solidFill>
                   <a:srgbClr val="000000"/>
                 </a:solidFill>
@@ -613,17 +764,17 @@
               </a:rPr>
               <a:t>EEEEEEEE</a:t>
             </a:r>
-            <a:endParaRPr b="1" lang="de-DE" sz="2400" strike="noStrike" u="none">
-              <a:solidFill>
-                <a:srgbClr val="000000"/>
-              </a:solidFill>
-              <a:effectLst/>
-              <a:uFillTx/>
-              <a:latin typeface="Arial"/>
-            </a:endParaRPr>
-          </a:p>
-          <a:p>
-            <a:pPr lvl="1" marL="576000" indent="-360000">
+            <a:endParaRPr lang="de-DE" sz="2400" b="1" u="none" strike="noStrike">
+              <a:solidFill>
+                <a:srgbClr val="000000"/>
+              </a:solidFill>
+              <a:effectLst/>
+              <a:uFillTx/>
+              <a:latin typeface="Arial"/>
+            </a:endParaRPr>
+          </a:p>
+          <a:p>
+            <a:pPr marL="576000" lvl="1" indent="-360000" algn="l">
               <a:spcAft>
                 <a:spcPts val="567"/>
               </a:spcAft>
@@ -635,7 +786,7 @@
               <a:buChar char=""/>
             </a:pPr>
             <a:r>
-              <a:rPr b="0" lang="de-DE" sz="2400" strike="noStrike" u="none">
+              <a:rPr lang="de-DE" sz="2400" b="0" u="none" strike="noStrike">
                 <a:solidFill>
                   <a:srgbClr val="000000"/>
                 </a:solidFill>
@@ -645,17 +796,17 @@
               </a:rPr>
               <a:t>KKKKKKKK</a:t>
             </a:r>
-            <a:endParaRPr b="0" lang="de-DE" sz="2400" strike="noStrike" u="none">
-              <a:solidFill>
-                <a:srgbClr val="000000"/>
-              </a:solidFill>
-              <a:effectLst/>
-              <a:uFillTx/>
-              <a:latin typeface="Arial"/>
-            </a:endParaRPr>
-          </a:p>
-          <a:p>
-            <a:pPr lvl="1" marL="576000" indent="-360000">
+            <a:endParaRPr lang="de-DE" sz="2400" b="0" u="none" strike="noStrike">
+              <a:solidFill>
+                <a:srgbClr val="000000"/>
+              </a:solidFill>
+              <a:effectLst/>
+              <a:uFillTx/>
+              <a:latin typeface="Arial"/>
+            </a:endParaRPr>
+          </a:p>
+          <a:p>
+            <a:pPr marL="576000" lvl="1" indent="-360000" algn="l">
               <a:spcAft>
                 <a:spcPts val="567"/>
               </a:spcAft>
@@ -667,7 +818,7 @@
               <a:buChar char=""/>
             </a:pPr>
             <a:r>
-              <a:rPr b="0" lang="de-DE" sz="2400" strike="noStrike" u="none">
+              <a:rPr lang="de-DE" sz="2400" b="0" u="none" strike="noStrike">
                 <a:solidFill>
                   <a:srgbClr val="000000"/>
                 </a:solidFill>
@@ -677,17 +828,17 @@
               </a:rPr>
               <a:t>LLLLLLLLLL</a:t>
             </a:r>
-            <a:endParaRPr b="0" lang="de-DE" sz="2400" strike="noStrike" u="none">
-              <a:solidFill>
-                <a:srgbClr val="000000"/>
-              </a:solidFill>
-              <a:effectLst/>
-              <a:uFillTx/>
-              <a:latin typeface="Arial"/>
-            </a:endParaRPr>
-          </a:p>
-          <a:p>
-            <a:pPr lvl="1" marL="576000" indent="-360000">
+            <a:endParaRPr lang="de-DE" sz="2400" b="0" u="none" strike="noStrike">
+              <a:solidFill>
+                <a:srgbClr val="000000"/>
+              </a:solidFill>
+              <a:effectLst/>
+              <a:uFillTx/>
+              <a:latin typeface="Arial"/>
+            </a:endParaRPr>
+          </a:p>
+          <a:p>
+            <a:pPr marL="576000" lvl="1" indent="-360000" algn="l">
               <a:spcAft>
                 <a:spcPts val="567"/>
               </a:spcAft>
@@ -699,7 +850,7 @@
               <a:buChar char=""/>
             </a:pPr>
             <a:r>
-              <a:rPr b="0" lang="de-DE" sz="2400" strike="noStrike" u="none">
+              <a:rPr lang="de-DE" sz="2400" b="0" u="none" strike="noStrike">
                 <a:solidFill>
                   <a:srgbClr val="000000"/>
                 </a:solidFill>
@@ -709,17 +860,17 @@
               </a:rPr>
               <a:t>MMMMMMM</a:t>
             </a:r>
-            <a:endParaRPr b="0" lang="de-DE" sz="2400" strike="noStrike" u="none">
-              <a:solidFill>
-                <a:srgbClr val="000000"/>
-              </a:solidFill>
-              <a:effectLst/>
-              <a:uFillTx/>
-              <a:latin typeface="Arial"/>
-            </a:endParaRPr>
-          </a:p>
-          <a:p>
-            <a:pPr lvl="1" marL="576000" indent="-360000">
+            <a:endParaRPr lang="de-DE" sz="2400" b="0" u="none" strike="noStrike">
+              <a:solidFill>
+                <a:srgbClr val="000000"/>
+              </a:solidFill>
+              <a:effectLst/>
+              <a:uFillTx/>
+              <a:latin typeface="Arial"/>
+            </a:endParaRPr>
+          </a:p>
+          <a:p>
+            <a:pPr marL="576000" lvl="1" indent="-360000" algn="l">
               <a:spcAft>
                 <a:spcPts val="567"/>
               </a:spcAft>
@@ -731,7 +882,7 @@
               <a:buChar char=""/>
             </a:pPr>
             <a:r>
-              <a:rPr b="0" lang="de-DE" sz="2400" strike="noStrike" u="none">
+              <a:rPr lang="de-DE" sz="2400" b="0" u="none" strike="noStrike">
                 <a:solidFill>
                   <a:srgbClr val="000000"/>
                 </a:solidFill>
@@ -741,27 +892,27 @@
               </a:rPr>
               <a:t>NNNNNNNNN</a:t>
             </a:r>
-            <a:endParaRPr b="0" lang="de-DE" sz="2400" strike="noStrike" u="none">
-              <a:solidFill>
-                <a:srgbClr val="000000"/>
-              </a:solidFill>
-              <a:effectLst/>
-              <a:uFillTx/>
-              <a:latin typeface="Arial"/>
-            </a:endParaRPr>
-          </a:p>
-          <a:p>
-            <a:pPr marL="792000" indent="0">
+            <a:endParaRPr lang="de-DE" sz="2400" b="0" u="none" strike="noStrike">
+              <a:solidFill>
+                <a:srgbClr val="000000"/>
+              </a:solidFill>
+              <a:effectLst/>
+              <a:uFillTx/>
+              <a:latin typeface="Arial"/>
+            </a:endParaRPr>
+          </a:p>
+          <a:p>
+            <a:pPr marL="792000" indent="0" algn="l">
               <a:spcAft>
                 <a:spcPts val="1701"/>
               </a:spcAft>
               <a:buNone/>
               <a:tabLst>
-                <a:tab algn="dec" pos="1080000"/>
+                <a:tab pos="1080000" algn="dec"/>
               </a:tabLst>
             </a:pPr>
             <a:r>
-              <a:rPr b="0" lang="de-DE" sz="1400" strike="noStrike" u="none">
+              <a:rPr lang="de-DE" sz="1400" b="0" u="none" strike="noStrike">
                 <a:solidFill>
                   <a:srgbClr val="000000"/>
                 </a:solidFill>
@@ -775,7 +926,7 @@
               <a:rPr sz="1400"/>
             </a:br>
             <a:r>
-              <a:rPr b="0" lang="de-DE" sz="1400" strike="noStrike" u="none">
+              <a:rPr lang="de-DE" sz="1400" b="0" u="none" strike="noStrike">
                 <a:solidFill>
                   <a:srgbClr val="000000"/>
                 </a:solidFill>
@@ -785,46 +936,46 @@
               </a:rPr>
               <a:t>BBBB BBBBB CCCCC CCCC CCC DDDD DDDDD EEEE EEEE FFFF</a:t>
             </a:r>
-            <a:endParaRPr b="1" lang="de-DE" sz="1400" strike="noStrike" u="none">
-              <a:solidFill>
-                <a:srgbClr val="000000"/>
-              </a:solidFill>
-              <a:effectLst/>
-              <a:uFillTx/>
-              <a:latin typeface="Arial"/>
-            </a:endParaRPr>
-          </a:p>
-          <a:p>
-            <a:pPr indent="0">
+            <a:endParaRPr lang="de-DE" sz="1400" b="1" u="none" strike="noStrike">
+              <a:solidFill>
+                <a:srgbClr val="000000"/>
+              </a:solidFill>
+              <a:effectLst/>
+              <a:uFillTx/>
+              <a:latin typeface="Arial"/>
+            </a:endParaRPr>
+          </a:p>
+          <a:p>
+            <a:pPr indent="0" algn="l">
               <a:spcAft>
                 <a:spcPts val="1701"/>
               </a:spcAft>
               <a:buNone/>
               <a:tabLst>
-                <a:tab algn="dec" pos="1080000"/>
+                <a:tab pos="1080000" algn="dec"/>
               </a:tabLst>
             </a:pPr>
-            <a:endParaRPr b="1" lang="de-DE" sz="2400" strike="noStrike" u="none">
-              <a:solidFill>
-                <a:srgbClr val="000000"/>
-              </a:solidFill>
-              <a:effectLst/>
-              <a:uFillTx/>
-              <a:latin typeface="Arial"/>
-            </a:endParaRPr>
-          </a:p>
-          <a:p>
-            <a:pPr indent="0">
+            <a:endParaRPr lang="de-DE" sz="2400" b="1" u="none" strike="noStrike">
+              <a:solidFill>
+                <a:srgbClr val="000000"/>
+              </a:solidFill>
+              <a:effectLst/>
+              <a:uFillTx/>
+              <a:latin typeface="Arial"/>
+            </a:endParaRPr>
+          </a:p>
+          <a:p>
+            <a:pPr indent="0" algn="l">
               <a:spcAft>
                 <a:spcPts val="1701"/>
               </a:spcAft>
               <a:buNone/>
               <a:tabLst>
-                <a:tab algn="dec" pos="1080000"/>
+                <a:tab pos="1080000" algn="dec"/>
               </a:tabLst>
             </a:pPr>
             <a:r>
-              <a:rPr b="0" lang="de-DE" sz="2400" strike="noStrike" u="none">
+              <a:rPr lang="de-DE" sz="2400" b="0" u="none" strike="noStrike">
                 <a:solidFill>
                   <a:srgbClr val="000000"/>
                 </a:solidFill>
@@ -834,29 +985,29 @@
               </a:rPr>
               <a:t>IIIIIIIII IIII JJJJJ JJJJJ JJJJ KKKKK LLLL MMMMM NNNNN</a:t>
             </a:r>
-            <a:endParaRPr b="1" lang="de-DE" sz="2400" strike="noStrike" u="none">
-              <a:solidFill>
-                <a:srgbClr val="000000"/>
-              </a:solidFill>
-              <a:effectLst/>
-              <a:uFillTx/>
-              <a:latin typeface="Arial"/>
-            </a:endParaRPr>
-          </a:p>
-          <a:p>
-            <a:pPr indent="0">
+            <a:endParaRPr lang="de-DE" sz="2400" b="1" u="none" strike="noStrike">
+              <a:solidFill>
+                <a:srgbClr val="000000"/>
+              </a:solidFill>
+              <a:effectLst/>
+              <a:uFillTx/>
+              <a:latin typeface="Arial"/>
+            </a:endParaRPr>
+          </a:p>
+          <a:p>
+            <a:pPr indent="0" algn="l">
               <a:spcAft>
                 <a:spcPts val="1701"/>
               </a:spcAft>
               <a:buNone/>
               <a:tabLst>
-                <a:tab algn="dec" pos="1080000"/>
+                <a:tab pos="1080000" algn="dec"/>
               </a:tabLst>
             </a:pPr>
             <a:r>
-              <a:rPr b="1" lang="de-DE" sz="2400" strike="noStrike" u="none">
-                <a:solidFill>
-                  <a:srgbClr val="ff0000"/>
+              <a:rPr lang="de-DE" sz="2400" b="1" u="none" strike="noStrike">
+                <a:solidFill>
+                  <a:srgbClr val="FF0000"/>
                 </a:solidFill>
                 <a:effectLst/>
                 <a:uFillTx/>
@@ -864,7 +1015,7 @@
               </a:rPr>
               <a:t>EEEEEE EEEE FFFF GGGGG HHHH IIII JJJJ KKKK LLL MMMM WWWW</a:t>
             </a:r>
-            <a:endParaRPr b="1" lang="de-DE" sz="2400" strike="noStrike" u="none">
+            <a:endParaRPr lang="de-DE" sz="2400" b="1" u="none" strike="noStrike">
               <a:solidFill>
                 <a:srgbClr val="000000"/>
               </a:solidFill>
@@ -896,37 +1047,37 @@
         <a:srgbClr val="000000"/>
       </a:dk1>
       <a:lt1>
-        <a:srgbClr val="ffffff"/>
+        <a:srgbClr val="FFFFFF"/>
       </a:lt1>
       <a:dk2>
         <a:srgbClr val="000000"/>
       </a:dk2>
       <a:lt2>
-        <a:srgbClr val="ffffff"/>
+        <a:srgbClr val="FFFFFF"/>
       </a:lt2>
       <a:accent1>
-        <a:srgbClr val="18a303"/>
+        <a:srgbClr val="18A303"/>
       </a:accent1>
       <a:accent2>
-        <a:srgbClr val="0369a3"/>
+        <a:srgbClr val="0369A3"/>
       </a:accent2>
       <a:accent3>
-        <a:srgbClr val="a33e03"/>
+        <a:srgbClr val="A33E03"/>
       </a:accent3>
       <a:accent4>
-        <a:srgbClr val="8e03a3"/>
+        <a:srgbClr val="8E03A3"/>
       </a:accent4>
       <a:accent5>
-        <a:srgbClr val="c99c00"/>
+        <a:srgbClr val="C99C00"/>
       </a:accent5>
       <a:accent6>
-        <a:srgbClr val="c9211e"/>
+        <a:srgbClr val="C9211E"/>
       </a:accent6>
       <a:hlink>
-        <a:srgbClr val="0000ee"/>
+        <a:srgbClr val="0000EE"/>
       </a:hlink>
       <a:folHlink>
-        <a:srgbClr val="551a8b"/>
+        <a:srgbClr val="551A8B"/>
       </a:folHlink>
     </a:clrScheme>
     <a:fontScheme name="Office">
